--- a/BSCSE/[251] Spring 2025/DSA-I_ CSE 2215/Course Materials/Slides/03.Arrays_Searching_Counting-sort.pptx
+++ b/BSCSE/[251] Spring 2025/DSA-I_ CSE 2215/Course Materials/Slides/03.Arrays_Searching_Counting-sort.pptx
@@ -5,7 +5,7 @@
     <p:sldMasterId id="2147483648" r:id="rId1"/>
   </p:sldMasterIdLst>
   <p:notesMasterIdLst>
-    <p:notesMasterId r:id="rId27"/>
+    <p:notesMasterId r:id="rId29"/>
   </p:notesMasterIdLst>
   <p:sldIdLst>
     <p:sldId id="257" r:id="rId2"/>
@@ -32,17 +32,19 @@
     <p:sldId id="311" r:id="rId23"/>
     <p:sldId id="312" r:id="rId24"/>
     <p:sldId id="313" r:id="rId25"/>
-    <p:sldId id="314" r:id="rId26"/>
+    <p:sldId id="315" r:id="rId26"/>
+    <p:sldId id="316" r:id="rId27"/>
+    <p:sldId id="314" r:id="rId28"/>
   </p:sldIdLst>
   <p:sldSz cx="9144000" cy="6858000" type="screen4x3"/>
   <p:notesSz cx="6946900" cy="9232900"/>
   <p:embeddedFontLst>
     <p:embeddedFont>
       <p:font typeface="Cambria" panose="02040503050406030204" pitchFamily="18" charset="0"/>
-      <p:regular r:id="rId28"/>
-      <p:bold r:id="rId29"/>
-      <p:italic r:id="rId30"/>
-      <p:boldItalic r:id="rId31"/>
+      <p:regular r:id="rId30"/>
+      <p:bold r:id="rId31"/>
+      <p:italic r:id="rId32"/>
+      <p:boldItalic r:id="rId33"/>
     </p:embeddedFont>
   </p:embeddedFontLst>
   <p:defaultTextStyle>
@@ -304,7 +306,7 @@
       </p15:notesGuideLst>
     </p:ext>
     <p:ext uri="GoogleSlidesCustomDataVersion2">
-      <go:slidesCustomData xmlns:go="http://customooxmlschemas.google.com/" xmlns:ahyp="http://schemas.microsoft.com/office/drawing/2018/hyperlinkcolor" xmlns:p15="http://schemas.microsoft.com/office/powerpoint/2012/main" xmlns:p14="http://schemas.microsoft.com/office/powerpoint/2010/main" xmlns:com="http://schemas.openxmlformats.org/drawingml/2006/compatibility" xmlns:pvml="urn:schemas-microsoft-com:office:powerpoint" xmlns:v="urn:schemas-microsoft-com:vml" xmlns:o="urn:schemas-microsoft-com:office:office" xmlns:dgm="http://schemas.openxmlformats.org/drawingml/2006/diagram" xmlns:c="http://schemas.openxmlformats.org/drawingml/2006/chart" xmlns:mv="urn:schemas-microsoft-com:mac:vml" xmlns:mc="http://schemas.openxmlformats.org/markup-compatibility/2006" xmlns="" r:id="rId47" roundtripDataSignature="AMtx7mgh8B77eTEF7+caI6hUllNe4TOYyg=="/>
+      <go:slidesCustomData xmlns="" xmlns:mc="http://schemas.openxmlformats.org/markup-compatibility/2006" xmlns:mv="urn:schemas-microsoft-com:mac:vml" xmlns:c="http://schemas.openxmlformats.org/drawingml/2006/chart" xmlns:dgm="http://schemas.openxmlformats.org/drawingml/2006/diagram" xmlns:o="urn:schemas-microsoft-com:office:office" xmlns:v="urn:schemas-microsoft-com:vml" xmlns:pvml="urn:schemas-microsoft-com:office:powerpoint" xmlns:com="http://schemas.openxmlformats.org/drawingml/2006/compatibility" xmlns:p14="http://schemas.microsoft.com/office/powerpoint/2010/main" xmlns:p15="http://schemas.microsoft.com/office/powerpoint/2012/main" xmlns:ahyp="http://schemas.microsoft.com/office/drawing/2018/hyperlinkcolor" xmlns:go="http://customooxmlschemas.google.com/" r:id="rId47" roundtripDataSignature="AMtx7mgh8B77eTEF7+caI6hUllNe4TOYyg=="/>
     </p:ext>
   </p:extLst>
 </p:presentation>
@@ -3594,6 +3596,260 @@
 </file>
 
 <file path=ppt/notesSlides/notesSlide25.xml><?xml version="1.0" encoding="utf-8"?>
+<p:notes xmlns:a="http://schemas.openxmlformats.org/drawingml/2006/main" xmlns:r="http://schemas.openxmlformats.org/officeDocument/2006/relationships" xmlns:p="http://schemas.openxmlformats.org/presentationml/2006/main" showMasterSp="0" showMasterPhAnim="0">
+  <p:cSld>
+    <p:spTree>
+      <p:nvGrpSpPr>
+        <p:cNvPr id="1" name="Shape 72">
+          <a:extLst>
+            <a:ext uri="{FF2B5EF4-FFF2-40B4-BE49-F238E27FC236}">
+              <a16:creationId xmlns:a16="http://schemas.microsoft.com/office/drawing/2014/main" id="{D78DAFF5-EF30-C3AA-637E-4591CE4DCF91}"/>
+            </a:ext>
+          </a:extLst>
+        </p:cNvPr>
+        <p:cNvGrpSpPr/>
+        <p:nvPr/>
+      </p:nvGrpSpPr>
+      <p:grpSpPr>
+        <a:xfrm>
+          <a:off x="0" y="0"/>
+          <a:ext cx="0" cy="0"/>
+          <a:chOff x="0" y="0"/>
+          <a:chExt cx="0" cy="0"/>
+        </a:xfrm>
+      </p:grpSpPr>
+      <p:sp>
+        <p:nvSpPr>
+          <p:cNvPr id="73" name="Google Shape;73;g331b33b41a2_0_0:notes">
+            <a:extLst>
+              <a:ext uri="{FF2B5EF4-FFF2-40B4-BE49-F238E27FC236}">
+                <a16:creationId xmlns:a16="http://schemas.microsoft.com/office/drawing/2014/main" id="{9D933873-B5BD-183E-277B-45935E75CB34}"/>
+              </a:ext>
+            </a:extLst>
+          </p:cNvPr>
+          <p:cNvSpPr txBox="1">
+            <a:spLocks noGrp="1"/>
+          </p:cNvSpPr>
+          <p:nvPr>
+            <p:ph type="body" idx="1"/>
+          </p:nvPr>
+        </p:nvSpPr>
+        <p:spPr>
+          <a:xfrm>
+            <a:off x="925513" y="4386263"/>
+            <a:ext cx="5095800" cy="4154400"/>
+          </a:xfrm>
+          <a:prstGeom prst="rect">
+            <a:avLst/>
+          </a:prstGeom>
+        </p:spPr>
+        <p:txBody>
+          <a:bodyPr spcFirstLastPara="1" wrap="square" lIns="92450" tIns="46225" rIns="92450" bIns="46225" anchor="ctr" anchorCtr="0">
+            <a:noAutofit/>
+          </a:bodyPr>
+          <a:lstStyle/>
+          <a:p>
+            <a:pPr marL="0" lvl="0" indent="0" algn="l" rtl="0">
+              <a:spcBef>
+                <a:spcPts val="360"/>
+              </a:spcBef>
+              <a:spcAft>
+                <a:spcPts val="0"/>
+              </a:spcAft>
+              <a:buNone/>
+            </a:pPr>
+            <a:endParaRPr/>
+          </a:p>
+        </p:txBody>
+      </p:sp>
+      <p:sp>
+        <p:nvSpPr>
+          <p:cNvPr id="74" name="Google Shape;74;g331b33b41a2_0_0:notes">
+            <a:extLst>
+              <a:ext uri="{FF2B5EF4-FFF2-40B4-BE49-F238E27FC236}">
+                <a16:creationId xmlns:a16="http://schemas.microsoft.com/office/drawing/2014/main" id="{BDF71E35-94F6-1878-D29F-DAE65157487A}"/>
+              </a:ext>
+            </a:extLst>
+          </p:cNvPr>
+          <p:cNvSpPr>
+            <a:spLocks noGrp="1" noRot="1" noChangeAspect="1"/>
+          </p:cNvSpPr>
+          <p:nvPr>
+            <p:ph type="sldImg" idx="2"/>
+          </p:nvPr>
+        </p:nvSpPr>
+        <p:spPr>
+          <a:xfrm>
+            <a:off x="1165225" y="692150"/>
+            <a:ext cx="4616450" cy="3462338"/>
+          </a:xfrm>
+          <a:custGeom>
+            <a:avLst/>
+            <a:gdLst/>
+            <a:ahLst/>
+            <a:cxnLst/>
+            <a:rect l="l" t="t" r="r" b="b"/>
+            <a:pathLst>
+              <a:path w="120000" h="120000" extrusionOk="0">
+                <a:moveTo>
+                  <a:pt x="0" y="0"/>
+                </a:moveTo>
+                <a:lnTo>
+                  <a:pt x="120000" y="0"/>
+                </a:lnTo>
+                <a:lnTo>
+                  <a:pt x="120000" y="120000"/>
+                </a:lnTo>
+                <a:lnTo>
+                  <a:pt x="0" y="120000"/>
+                </a:lnTo>
+                <a:close/>
+              </a:path>
+            </a:pathLst>
+          </a:custGeom>
+        </p:spPr>
+      </p:sp>
+    </p:spTree>
+    <p:extLst>
+      <p:ext uri="{BB962C8B-B14F-4D97-AF65-F5344CB8AC3E}">
+        <p14:creationId xmlns:p14="http://schemas.microsoft.com/office/powerpoint/2010/main" val="3674700232"/>
+      </p:ext>
+    </p:extLst>
+  </p:cSld>
+  <p:clrMapOvr>
+    <a:masterClrMapping/>
+  </p:clrMapOvr>
+</p:notes>
+</file>
+
+<file path=ppt/notesSlides/notesSlide26.xml><?xml version="1.0" encoding="utf-8"?>
+<p:notes xmlns:a="http://schemas.openxmlformats.org/drawingml/2006/main" xmlns:r="http://schemas.openxmlformats.org/officeDocument/2006/relationships" xmlns:p="http://schemas.openxmlformats.org/presentationml/2006/main" showMasterSp="0" showMasterPhAnim="0">
+  <p:cSld>
+    <p:spTree>
+      <p:nvGrpSpPr>
+        <p:cNvPr id="1" name="Shape 72">
+          <a:extLst>
+            <a:ext uri="{FF2B5EF4-FFF2-40B4-BE49-F238E27FC236}">
+              <a16:creationId xmlns:a16="http://schemas.microsoft.com/office/drawing/2014/main" id="{03DF9776-1B33-FB08-94A8-2DA51C1674EE}"/>
+            </a:ext>
+          </a:extLst>
+        </p:cNvPr>
+        <p:cNvGrpSpPr/>
+        <p:nvPr/>
+      </p:nvGrpSpPr>
+      <p:grpSpPr>
+        <a:xfrm>
+          <a:off x="0" y="0"/>
+          <a:ext cx="0" cy="0"/>
+          <a:chOff x="0" y="0"/>
+          <a:chExt cx="0" cy="0"/>
+        </a:xfrm>
+      </p:grpSpPr>
+      <p:sp>
+        <p:nvSpPr>
+          <p:cNvPr id="73" name="Google Shape;73;g331b33b41a2_0_0:notes">
+            <a:extLst>
+              <a:ext uri="{FF2B5EF4-FFF2-40B4-BE49-F238E27FC236}">
+                <a16:creationId xmlns:a16="http://schemas.microsoft.com/office/drawing/2014/main" id="{C37234EB-A888-BB18-CBA0-0502DEE71E21}"/>
+              </a:ext>
+            </a:extLst>
+          </p:cNvPr>
+          <p:cNvSpPr txBox="1">
+            <a:spLocks noGrp="1"/>
+          </p:cNvSpPr>
+          <p:nvPr>
+            <p:ph type="body" idx="1"/>
+          </p:nvPr>
+        </p:nvSpPr>
+        <p:spPr>
+          <a:xfrm>
+            <a:off x="925513" y="4386263"/>
+            <a:ext cx="5095800" cy="4154400"/>
+          </a:xfrm>
+          <a:prstGeom prst="rect">
+            <a:avLst/>
+          </a:prstGeom>
+        </p:spPr>
+        <p:txBody>
+          <a:bodyPr spcFirstLastPara="1" wrap="square" lIns="92450" tIns="46225" rIns="92450" bIns="46225" anchor="ctr" anchorCtr="0">
+            <a:noAutofit/>
+          </a:bodyPr>
+          <a:lstStyle/>
+          <a:p>
+            <a:pPr marL="0" lvl="0" indent="0" algn="l" rtl="0">
+              <a:spcBef>
+                <a:spcPts val="360"/>
+              </a:spcBef>
+              <a:spcAft>
+                <a:spcPts val="0"/>
+              </a:spcAft>
+              <a:buNone/>
+            </a:pPr>
+            <a:endParaRPr/>
+          </a:p>
+        </p:txBody>
+      </p:sp>
+      <p:sp>
+        <p:nvSpPr>
+          <p:cNvPr id="74" name="Google Shape;74;g331b33b41a2_0_0:notes">
+            <a:extLst>
+              <a:ext uri="{FF2B5EF4-FFF2-40B4-BE49-F238E27FC236}">
+                <a16:creationId xmlns:a16="http://schemas.microsoft.com/office/drawing/2014/main" id="{CA42E6B5-F253-293F-593C-F0E6FD3A40DC}"/>
+              </a:ext>
+            </a:extLst>
+          </p:cNvPr>
+          <p:cNvSpPr>
+            <a:spLocks noGrp="1" noRot="1" noChangeAspect="1"/>
+          </p:cNvSpPr>
+          <p:nvPr>
+            <p:ph type="sldImg" idx="2"/>
+          </p:nvPr>
+        </p:nvSpPr>
+        <p:spPr>
+          <a:xfrm>
+            <a:off x="1165225" y="692150"/>
+            <a:ext cx="4616450" cy="3462338"/>
+          </a:xfrm>
+          <a:custGeom>
+            <a:avLst/>
+            <a:gdLst/>
+            <a:ahLst/>
+            <a:cxnLst/>
+            <a:rect l="l" t="t" r="r" b="b"/>
+            <a:pathLst>
+              <a:path w="120000" h="120000" extrusionOk="0">
+                <a:moveTo>
+                  <a:pt x="0" y="0"/>
+                </a:moveTo>
+                <a:lnTo>
+                  <a:pt x="120000" y="0"/>
+                </a:lnTo>
+                <a:lnTo>
+                  <a:pt x="120000" y="120000"/>
+                </a:lnTo>
+                <a:lnTo>
+                  <a:pt x="0" y="120000"/>
+                </a:lnTo>
+                <a:close/>
+              </a:path>
+            </a:pathLst>
+          </a:custGeom>
+        </p:spPr>
+      </p:sp>
+    </p:spTree>
+    <p:extLst>
+      <p:ext uri="{BB962C8B-B14F-4D97-AF65-F5344CB8AC3E}">
+        <p14:creationId xmlns:p14="http://schemas.microsoft.com/office/powerpoint/2010/main" val="740508642"/>
+      </p:ext>
+    </p:extLst>
+  </p:cSld>
+  <p:clrMapOvr>
+    <a:masterClrMapping/>
+  </p:clrMapOvr>
+</p:notes>
+</file>
+
+<file path=ppt/notesSlides/notesSlide27.xml><?xml version="1.0" encoding="utf-8"?>
 <p:notes xmlns:a="http://schemas.openxmlformats.org/drawingml/2006/main" xmlns:r="http://schemas.openxmlformats.org/officeDocument/2006/relationships" xmlns:p="http://schemas.openxmlformats.org/presentationml/2006/main" showMasterSp="0" showMasterPhAnim="0">
   <p:cSld>
     <p:spTree>
@@ -21754,6 +22010,2149 @@
         <p:cNvPr id="1" name="Shape 75">
           <a:extLst>
             <a:ext uri="{FF2B5EF4-FFF2-40B4-BE49-F238E27FC236}">
+              <a16:creationId xmlns:a16="http://schemas.microsoft.com/office/drawing/2014/main" id="{A10530B0-8A7F-E96C-7076-B7E0DD39484D}"/>
+            </a:ext>
+          </a:extLst>
+        </p:cNvPr>
+        <p:cNvGrpSpPr/>
+        <p:nvPr/>
+      </p:nvGrpSpPr>
+      <p:grpSpPr>
+        <a:xfrm>
+          <a:off x="0" y="0"/>
+          <a:ext cx="0" cy="0"/>
+          <a:chOff x="0" y="0"/>
+          <a:chExt cx="0" cy="0"/>
+        </a:xfrm>
+      </p:grpSpPr>
+      <p:sp>
+        <p:nvSpPr>
+          <p:cNvPr id="7" name="Google Shape;95;g331b33b41a2_1_13">
+            <a:extLst>
+              <a:ext uri="{FF2B5EF4-FFF2-40B4-BE49-F238E27FC236}">
+                <a16:creationId xmlns:a16="http://schemas.microsoft.com/office/drawing/2014/main" id="{1368B619-FD1C-5861-BDAB-32CFF35D982A}"/>
+              </a:ext>
+            </a:extLst>
+          </p:cNvPr>
+          <p:cNvSpPr txBox="1">
+            <a:spLocks/>
+          </p:cNvSpPr>
+          <p:nvPr/>
+        </p:nvSpPr>
+        <p:spPr>
+          <a:xfrm>
+            <a:off x="457200" y="152400"/>
+            <a:ext cx="8229600" cy="457200"/>
+          </a:xfrm>
+          <a:prstGeom prst="rect">
+            <a:avLst/>
+          </a:prstGeom>
+          <a:noFill/>
+          <a:ln>
+            <a:noFill/>
+          </a:ln>
+        </p:spPr>
+        <p:txBody>
+          <a:bodyPr spcFirstLastPara="1" wrap="square" lIns="92075" tIns="46025" rIns="92075" bIns="46025" anchor="ctr" anchorCtr="0">
+            <a:noAutofit/>
+          </a:bodyPr>
+          <a:lstStyle>
+            <a:defPPr marR="0" lvl="0" algn="l" rtl="0">
+              <a:lnSpc>
+                <a:spcPct val="100000"/>
+              </a:lnSpc>
+              <a:spcBef>
+                <a:spcPts val="0"/>
+              </a:spcBef>
+              <a:spcAft>
+                <a:spcPts val="0"/>
+              </a:spcAft>
+            </a:defPPr>
+            <a:lvl1pPr marR="0" lvl="0" algn="ctr" rtl="0">
+              <a:lnSpc>
+                <a:spcPct val="100000"/>
+              </a:lnSpc>
+              <a:spcBef>
+                <a:spcPts val="0"/>
+              </a:spcBef>
+              <a:spcAft>
+                <a:spcPts val="0"/>
+              </a:spcAft>
+              <a:buClr>
+                <a:srgbClr val="000000"/>
+              </a:buClr>
+              <a:buSzPts val="1400"/>
+              <a:buFont typeface="Arial"/>
+              <a:buNone/>
+              <a:defRPr sz="3600" b="0" i="0" u="none" strike="noStrike" cap="none">
+                <a:solidFill>
+                  <a:schemeClr val="dk2"/>
+                </a:solidFill>
+                <a:latin typeface="Times New Roman"/>
+                <a:ea typeface="Times New Roman"/>
+                <a:cs typeface="Times New Roman"/>
+                <a:sym typeface="Times New Roman"/>
+              </a:defRPr>
+            </a:lvl1pPr>
+            <a:lvl2pPr marR="0" lvl="1" algn="ctr" rtl="0">
+              <a:lnSpc>
+                <a:spcPct val="100000"/>
+              </a:lnSpc>
+              <a:spcBef>
+                <a:spcPts val="0"/>
+              </a:spcBef>
+              <a:spcAft>
+                <a:spcPts val="0"/>
+              </a:spcAft>
+              <a:buClr>
+                <a:srgbClr val="000000"/>
+              </a:buClr>
+              <a:buSzPts val="1400"/>
+              <a:buFont typeface="Arial"/>
+              <a:buNone/>
+              <a:defRPr sz="3600" b="0" i="0" u="none" strike="noStrike" cap="none">
+                <a:solidFill>
+                  <a:schemeClr val="dk2"/>
+                </a:solidFill>
+                <a:latin typeface="Times New Roman"/>
+                <a:ea typeface="Times New Roman"/>
+                <a:cs typeface="Times New Roman"/>
+                <a:sym typeface="Times New Roman"/>
+              </a:defRPr>
+            </a:lvl2pPr>
+            <a:lvl3pPr marR="0" lvl="2" algn="ctr" rtl="0">
+              <a:lnSpc>
+                <a:spcPct val="100000"/>
+              </a:lnSpc>
+              <a:spcBef>
+                <a:spcPts val="0"/>
+              </a:spcBef>
+              <a:spcAft>
+                <a:spcPts val="0"/>
+              </a:spcAft>
+              <a:buClr>
+                <a:srgbClr val="000000"/>
+              </a:buClr>
+              <a:buSzPts val="1400"/>
+              <a:buFont typeface="Arial"/>
+              <a:buNone/>
+              <a:defRPr sz="3600" b="0" i="0" u="none" strike="noStrike" cap="none">
+                <a:solidFill>
+                  <a:schemeClr val="dk2"/>
+                </a:solidFill>
+                <a:latin typeface="Times New Roman"/>
+                <a:ea typeface="Times New Roman"/>
+                <a:cs typeface="Times New Roman"/>
+                <a:sym typeface="Times New Roman"/>
+              </a:defRPr>
+            </a:lvl3pPr>
+            <a:lvl4pPr marR="0" lvl="3" algn="ctr" rtl="0">
+              <a:lnSpc>
+                <a:spcPct val="100000"/>
+              </a:lnSpc>
+              <a:spcBef>
+                <a:spcPts val="0"/>
+              </a:spcBef>
+              <a:spcAft>
+                <a:spcPts val="0"/>
+              </a:spcAft>
+              <a:buClr>
+                <a:srgbClr val="000000"/>
+              </a:buClr>
+              <a:buSzPts val="1400"/>
+              <a:buFont typeface="Arial"/>
+              <a:buNone/>
+              <a:defRPr sz="3600" b="0" i="0" u="none" strike="noStrike" cap="none">
+                <a:solidFill>
+                  <a:schemeClr val="dk2"/>
+                </a:solidFill>
+                <a:latin typeface="Times New Roman"/>
+                <a:ea typeface="Times New Roman"/>
+                <a:cs typeface="Times New Roman"/>
+                <a:sym typeface="Times New Roman"/>
+              </a:defRPr>
+            </a:lvl4pPr>
+            <a:lvl5pPr marR="0" lvl="4" algn="ctr" rtl="0">
+              <a:lnSpc>
+                <a:spcPct val="100000"/>
+              </a:lnSpc>
+              <a:spcBef>
+                <a:spcPts val="0"/>
+              </a:spcBef>
+              <a:spcAft>
+                <a:spcPts val="0"/>
+              </a:spcAft>
+              <a:buClr>
+                <a:srgbClr val="000000"/>
+              </a:buClr>
+              <a:buSzPts val="1400"/>
+              <a:buFont typeface="Arial"/>
+              <a:buNone/>
+              <a:defRPr sz="3600" b="0" i="0" u="none" strike="noStrike" cap="none">
+                <a:solidFill>
+                  <a:schemeClr val="dk2"/>
+                </a:solidFill>
+                <a:latin typeface="Times New Roman"/>
+                <a:ea typeface="Times New Roman"/>
+                <a:cs typeface="Times New Roman"/>
+                <a:sym typeface="Times New Roman"/>
+              </a:defRPr>
+            </a:lvl5pPr>
+            <a:lvl6pPr marR="0" lvl="5" algn="ctr" rtl="0">
+              <a:lnSpc>
+                <a:spcPct val="100000"/>
+              </a:lnSpc>
+              <a:spcBef>
+                <a:spcPts val="0"/>
+              </a:spcBef>
+              <a:spcAft>
+                <a:spcPts val="0"/>
+              </a:spcAft>
+              <a:buClr>
+                <a:srgbClr val="000000"/>
+              </a:buClr>
+              <a:buSzPts val="1400"/>
+              <a:buFont typeface="Arial"/>
+              <a:buNone/>
+              <a:defRPr sz="3600" b="0" i="0" u="none" strike="noStrike" cap="none">
+                <a:solidFill>
+                  <a:schemeClr val="dk2"/>
+                </a:solidFill>
+                <a:latin typeface="Times New Roman"/>
+                <a:ea typeface="Times New Roman"/>
+                <a:cs typeface="Times New Roman"/>
+                <a:sym typeface="Times New Roman"/>
+              </a:defRPr>
+            </a:lvl6pPr>
+            <a:lvl7pPr marR="0" lvl="6" algn="ctr" rtl="0">
+              <a:lnSpc>
+                <a:spcPct val="100000"/>
+              </a:lnSpc>
+              <a:spcBef>
+                <a:spcPts val="0"/>
+              </a:spcBef>
+              <a:spcAft>
+                <a:spcPts val="0"/>
+              </a:spcAft>
+              <a:buClr>
+                <a:srgbClr val="000000"/>
+              </a:buClr>
+              <a:buSzPts val="1400"/>
+              <a:buFont typeface="Arial"/>
+              <a:buNone/>
+              <a:defRPr sz="3600" b="0" i="0" u="none" strike="noStrike" cap="none">
+                <a:solidFill>
+                  <a:schemeClr val="dk2"/>
+                </a:solidFill>
+                <a:latin typeface="Times New Roman"/>
+                <a:ea typeface="Times New Roman"/>
+                <a:cs typeface="Times New Roman"/>
+                <a:sym typeface="Times New Roman"/>
+              </a:defRPr>
+            </a:lvl7pPr>
+            <a:lvl8pPr marR="0" lvl="7" algn="ctr" rtl="0">
+              <a:lnSpc>
+                <a:spcPct val="100000"/>
+              </a:lnSpc>
+              <a:spcBef>
+                <a:spcPts val="0"/>
+              </a:spcBef>
+              <a:spcAft>
+                <a:spcPts val="0"/>
+              </a:spcAft>
+              <a:buClr>
+                <a:srgbClr val="000000"/>
+              </a:buClr>
+              <a:buSzPts val="1400"/>
+              <a:buFont typeface="Arial"/>
+              <a:buNone/>
+              <a:defRPr sz="3600" b="0" i="0" u="none" strike="noStrike" cap="none">
+                <a:solidFill>
+                  <a:schemeClr val="dk2"/>
+                </a:solidFill>
+                <a:latin typeface="Times New Roman"/>
+                <a:ea typeface="Times New Roman"/>
+                <a:cs typeface="Times New Roman"/>
+                <a:sym typeface="Times New Roman"/>
+              </a:defRPr>
+            </a:lvl8pPr>
+            <a:lvl9pPr marR="0" lvl="8" algn="ctr" rtl="0">
+              <a:lnSpc>
+                <a:spcPct val="100000"/>
+              </a:lnSpc>
+              <a:spcBef>
+                <a:spcPts val="0"/>
+              </a:spcBef>
+              <a:spcAft>
+                <a:spcPts val="0"/>
+              </a:spcAft>
+              <a:buClr>
+                <a:srgbClr val="000000"/>
+              </a:buClr>
+              <a:buSzPts val="1400"/>
+              <a:buFont typeface="Arial"/>
+              <a:buNone/>
+              <a:defRPr sz="3600" b="0" i="0" u="none" strike="noStrike" cap="none">
+                <a:solidFill>
+                  <a:schemeClr val="dk2"/>
+                </a:solidFill>
+                <a:latin typeface="Times New Roman"/>
+                <a:ea typeface="Times New Roman"/>
+                <a:cs typeface="Times New Roman"/>
+                <a:sym typeface="Times New Roman"/>
+              </a:defRPr>
+            </a:lvl9pPr>
+          </a:lstStyle>
+          <a:p>
+            <a:r>
+              <a:rPr lang="en-US" dirty="0"/>
+              <a:t>Counting Sort</a:t>
+            </a:r>
+          </a:p>
+        </p:txBody>
+      </p:sp>
+      <p:sp>
+        <p:nvSpPr>
+          <p:cNvPr id="8" name="object 5">
+            <a:extLst>
+              <a:ext uri="{FF2B5EF4-FFF2-40B4-BE49-F238E27FC236}">
+                <a16:creationId xmlns:a16="http://schemas.microsoft.com/office/drawing/2014/main" id="{AE31FAB1-97FD-B082-F953-CE5A20084B6E}"/>
+              </a:ext>
+            </a:extLst>
+          </p:cNvPr>
+          <p:cNvSpPr txBox="1">
+            <a:spLocks/>
+          </p:cNvSpPr>
+          <p:nvPr/>
+        </p:nvSpPr>
+        <p:spPr>
+          <a:xfrm>
+            <a:off x="2706624" y="6386538"/>
+            <a:ext cx="3236975" cy="319062"/>
+          </a:xfrm>
+          <a:prstGeom prst="rect">
+            <a:avLst/>
+          </a:prstGeom>
+        </p:spPr>
+        <p:txBody>
+          <a:bodyPr vert="horz" wrap="square" lIns="0" tIns="0" rIns="0" bIns="0" rtlCol="0">
+            <a:spAutoFit/>
+          </a:bodyPr>
+          <a:lstStyle>
+            <a:defPPr marR="0" lvl="0" algn="l" rtl="0">
+              <a:lnSpc>
+                <a:spcPct val="100000"/>
+              </a:lnSpc>
+              <a:spcBef>
+                <a:spcPts val="0"/>
+              </a:spcBef>
+              <a:spcAft>
+                <a:spcPts val="0"/>
+              </a:spcAft>
+            </a:defPPr>
+            <a:lvl1pPr marR="0" lvl="0" algn="l" rtl="0">
+              <a:lnSpc>
+                <a:spcPct val="100000"/>
+              </a:lnSpc>
+              <a:spcBef>
+                <a:spcPts val="0"/>
+              </a:spcBef>
+              <a:spcAft>
+                <a:spcPts val="0"/>
+              </a:spcAft>
+              <a:buClr>
+                <a:srgbClr val="000000"/>
+              </a:buClr>
+              <a:buFont typeface="Arial"/>
+              <a:defRPr sz="1400" b="0" i="0" u="none" strike="noStrike" cap="none">
+                <a:solidFill>
+                  <a:srgbClr val="000000"/>
+                </a:solidFill>
+                <a:latin typeface="Arial"/>
+                <a:ea typeface="Arial"/>
+                <a:cs typeface="Arial"/>
+                <a:sym typeface="Arial"/>
+              </a:defRPr>
+            </a:lvl1pPr>
+            <a:lvl2pPr marR="0" lvl="1" algn="l" rtl="0">
+              <a:lnSpc>
+                <a:spcPct val="100000"/>
+              </a:lnSpc>
+              <a:spcBef>
+                <a:spcPts val="0"/>
+              </a:spcBef>
+              <a:spcAft>
+                <a:spcPts val="0"/>
+              </a:spcAft>
+              <a:buClr>
+                <a:srgbClr val="000000"/>
+              </a:buClr>
+              <a:buFont typeface="Arial"/>
+              <a:defRPr sz="1400" b="0" i="0" u="none" strike="noStrike" cap="none">
+                <a:solidFill>
+                  <a:srgbClr val="000000"/>
+                </a:solidFill>
+                <a:latin typeface="Arial"/>
+                <a:ea typeface="Arial"/>
+                <a:cs typeface="Arial"/>
+                <a:sym typeface="Arial"/>
+              </a:defRPr>
+            </a:lvl2pPr>
+            <a:lvl3pPr marR="0" lvl="2" algn="l" rtl="0">
+              <a:lnSpc>
+                <a:spcPct val="100000"/>
+              </a:lnSpc>
+              <a:spcBef>
+                <a:spcPts val="0"/>
+              </a:spcBef>
+              <a:spcAft>
+                <a:spcPts val="0"/>
+              </a:spcAft>
+              <a:buClr>
+                <a:srgbClr val="000000"/>
+              </a:buClr>
+              <a:buFont typeface="Arial"/>
+              <a:defRPr sz="1400" b="0" i="0" u="none" strike="noStrike" cap="none">
+                <a:solidFill>
+                  <a:srgbClr val="000000"/>
+                </a:solidFill>
+                <a:latin typeface="Arial"/>
+                <a:ea typeface="Arial"/>
+                <a:cs typeface="Arial"/>
+                <a:sym typeface="Arial"/>
+              </a:defRPr>
+            </a:lvl3pPr>
+            <a:lvl4pPr marR="0" lvl="3" algn="l" rtl="0">
+              <a:lnSpc>
+                <a:spcPct val="100000"/>
+              </a:lnSpc>
+              <a:spcBef>
+                <a:spcPts val="0"/>
+              </a:spcBef>
+              <a:spcAft>
+                <a:spcPts val="0"/>
+              </a:spcAft>
+              <a:buClr>
+                <a:srgbClr val="000000"/>
+              </a:buClr>
+              <a:buFont typeface="Arial"/>
+              <a:defRPr sz="1400" b="0" i="0" u="none" strike="noStrike" cap="none">
+                <a:solidFill>
+                  <a:srgbClr val="000000"/>
+                </a:solidFill>
+                <a:latin typeface="Arial"/>
+                <a:ea typeface="Arial"/>
+                <a:cs typeface="Arial"/>
+                <a:sym typeface="Arial"/>
+              </a:defRPr>
+            </a:lvl4pPr>
+            <a:lvl5pPr marR="0" lvl="4" algn="l" rtl="0">
+              <a:lnSpc>
+                <a:spcPct val="100000"/>
+              </a:lnSpc>
+              <a:spcBef>
+                <a:spcPts val="0"/>
+              </a:spcBef>
+              <a:spcAft>
+                <a:spcPts val="0"/>
+              </a:spcAft>
+              <a:buClr>
+                <a:srgbClr val="000000"/>
+              </a:buClr>
+              <a:buFont typeface="Arial"/>
+              <a:defRPr sz="1400" b="0" i="0" u="none" strike="noStrike" cap="none">
+                <a:solidFill>
+                  <a:srgbClr val="000000"/>
+                </a:solidFill>
+                <a:latin typeface="Arial"/>
+                <a:ea typeface="Arial"/>
+                <a:cs typeface="Arial"/>
+                <a:sym typeface="Arial"/>
+              </a:defRPr>
+            </a:lvl5pPr>
+            <a:lvl6pPr marR="0" lvl="5" algn="l" rtl="0">
+              <a:lnSpc>
+                <a:spcPct val="100000"/>
+              </a:lnSpc>
+              <a:spcBef>
+                <a:spcPts val="0"/>
+              </a:spcBef>
+              <a:spcAft>
+                <a:spcPts val="0"/>
+              </a:spcAft>
+              <a:buClr>
+                <a:srgbClr val="000000"/>
+              </a:buClr>
+              <a:buFont typeface="Arial"/>
+              <a:defRPr sz="1400" b="0" i="0" u="none" strike="noStrike" cap="none">
+                <a:solidFill>
+                  <a:srgbClr val="000000"/>
+                </a:solidFill>
+                <a:latin typeface="Arial"/>
+                <a:ea typeface="Arial"/>
+                <a:cs typeface="Arial"/>
+                <a:sym typeface="Arial"/>
+              </a:defRPr>
+            </a:lvl6pPr>
+            <a:lvl7pPr marR="0" lvl="6" algn="l" rtl="0">
+              <a:lnSpc>
+                <a:spcPct val="100000"/>
+              </a:lnSpc>
+              <a:spcBef>
+                <a:spcPts val="0"/>
+              </a:spcBef>
+              <a:spcAft>
+                <a:spcPts val="0"/>
+              </a:spcAft>
+              <a:buClr>
+                <a:srgbClr val="000000"/>
+              </a:buClr>
+              <a:buFont typeface="Arial"/>
+              <a:defRPr sz="1400" b="0" i="0" u="none" strike="noStrike" cap="none">
+                <a:solidFill>
+                  <a:srgbClr val="000000"/>
+                </a:solidFill>
+                <a:latin typeface="Arial"/>
+                <a:ea typeface="Arial"/>
+                <a:cs typeface="Arial"/>
+                <a:sym typeface="Arial"/>
+              </a:defRPr>
+            </a:lvl7pPr>
+            <a:lvl8pPr marR="0" lvl="7" algn="l" rtl="0">
+              <a:lnSpc>
+                <a:spcPct val="100000"/>
+              </a:lnSpc>
+              <a:spcBef>
+                <a:spcPts val="0"/>
+              </a:spcBef>
+              <a:spcAft>
+                <a:spcPts val="0"/>
+              </a:spcAft>
+              <a:buClr>
+                <a:srgbClr val="000000"/>
+              </a:buClr>
+              <a:buFont typeface="Arial"/>
+              <a:defRPr sz="1400" b="0" i="0" u="none" strike="noStrike" cap="none">
+                <a:solidFill>
+                  <a:srgbClr val="000000"/>
+                </a:solidFill>
+                <a:latin typeface="Arial"/>
+                <a:ea typeface="Arial"/>
+                <a:cs typeface="Arial"/>
+                <a:sym typeface="Arial"/>
+              </a:defRPr>
+            </a:lvl8pPr>
+            <a:lvl9pPr marR="0" lvl="8" algn="l" rtl="0">
+              <a:lnSpc>
+                <a:spcPct val="100000"/>
+              </a:lnSpc>
+              <a:spcBef>
+                <a:spcPts val="0"/>
+              </a:spcBef>
+              <a:spcAft>
+                <a:spcPts val="0"/>
+              </a:spcAft>
+              <a:buClr>
+                <a:srgbClr val="000000"/>
+              </a:buClr>
+              <a:buFont typeface="Arial"/>
+              <a:defRPr sz="1400" b="0" i="0" u="none" strike="noStrike" cap="none">
+                <a:solidFill>
+                  <a:srgbClr val="000000"/>
+                </a:solidFill>
+                <a:latin typeface="Arial"/>
+                <a:ea typeface="Arial"/>
+                <a:cs typeface="Arial"/>
+                <a:sym typeface="Arial"/>
+              </a:defRPr>
+            </a:lvl9pPr>
+          </a:lstStyle>
+          <a:p>
+            <a:pPr algn="ctr">
+              <a:lnSpc>
+                <a:spcPts val="1240"/>
+              </a:lnSpc>
+            </a:pPr>
+            <a:r>
+              <a:rPr lang="en-GB" dirty="0">
+                <a:solidFill>
+                  <a:schemeClr val="tx2"/>
+                </a:solidFill>
+                <a:latin typeface="Aptos Display" panose="020B0004020202020204" pitchFamily="34" charset="0"/>
+              </a:rPr>
+              <a:t>Lecturer Saifur Rahman,</a:t>
+            </a:r>
+            <a:r>
+              <a:rPr lang="en-GB" spc="-30" dirty="0">
+                <a:solidFill>
+                  <a:schemeClr val="tx2"/>
+                </a:solidFill>
+                <a:latin typeface="Aptos Display" panose="020B0004020202020204" pitchFamily="34" charset="0"/>
+              </a:rPr>
+              <a:t> </a:t>
+            </a:r>
+            <a:r>
+              <a:rPr lang="en-GB" dirty="0">
+                <a:solidFill>
+                  <a:schemeClr val="tx2"/>
+                </a:solidFill>
+                <a:latin typeface="Aptos Display" panose="020B0004020202020204" pitchFamily="34" charset="0"/>
+              </a:rPr>
+              <a:t>Dept.</a:t>
+            </a:r>
+            <a:r>
+              <a:rPr lang="en-GB" spc="-50" dirty="0">
+                <a:solidFill>
+                  <a:schemeClr val="tx2"/>
+                </a:solidFill>
+                <a:latin typeface="Aptos Display" panose="020B0004020202020204" pitchFamily="34" charset="0"/>
+              </a:rPr>
+              <a:t> </a:t>
+            </a:r>
+            <a:r>
+              <a:rPr lang="en-GB" dirty="0">
+                <a:solidFill>
+                  <a:schemeClr val="tx2"/>
+                </a:solidFill>
+                <a:latin typeface="Aptos Display" panose="020B0004020202020204" pitchFamily="34" charset="0"/>
+              </a:rPr>
+              <a:t>of</a:t>
+            </a:r>
+            <a:r>
+              <a:rPr lang="en-GB" spc="-20" dirty="0">
+                <a:solidFill>
+                  <a:schemeClr val="tx2"/>
+                </a:solidFill>
+                <a:latin typeface="Aptos Display" panose="020B0004020202020204" pitchFamily="34" charset="0"/>
+              </a:rPr>
+              <a:t> </a:t>
+            </a:r>
+            <a:r>
+              <a:rPr lang="en-GB" dirty="0">
+                <a:solidFill>
+                  <a:schemeClr val="tx2"/>
+                </a:solidFill>
+                <a:latin typeface="Aptos Display" panose="020B0004020202020204" pitchFamily="34" charset="0"/>
+              </a:rPr>
+              <a:t>CSE,</a:t>
+            </a:r>
+            <a:r>
+              <a:rPr lang="en-GB" spc="-15" dirty="0">
+                <a:solidFill>
+                  <a:schemeClr val="tx2"/>
+                </a:solidFill>
+                <a:latin typeface="Aptos Display" panose="020B0004020202020204" pitchFamily="34" charset="0"/>
+              </a:rPr>
+              <a:t> </a:t>
+            </a:r>
+            <a:r>
+              <a:rPr lang="en-GB" spc="-10" dirty="0">
+                <a:solidFill>
+                  <a:schemeClr val="tx2"/>
+                </a:solidFill>
+                <a:latin typeface="Aptos Display" panose="020B0004020202020204" pitchFamily="34" charset="0"/>
+              </a:rPr>
+              <a:t>United International</a:t>
+            </a:r>
+            <a:r>
+              <a:rPr lang="en-GB" spc="15" dirty="0">
+                <a:solidFill>
+                  <a:schemeClr val="tx2"/>
+                </a:solidFill>
+                <a:latin typeface="Aptos Display" panose="020B0004020202020204" pitchFamily="34" charset="0"/>
+              </a:rPr>
+              <a:t> </a:t>
+            </a:r>
+            <a:r>
+              <a:rPr lang="en-GB" spc="-10" dirty="0">
+                <a:solidFill>
+                  <a:schemeClr val="tx2"/>
+                </a:solidFill>
+                <a:latin typeface="Aptos Display" panose="020B0004020202020204" pitchFamily="34" charset="0"/>
+              </a:rPr>
+              <a:t>University</a:t>
+            </a:r>
+          </a:p>
+        </p:txBody>
+      </p:sp>
+      <p:pic>
+        <p:nvPicPr>
+          <p:cNvPr id="2" name="object 6">
+            <a:extLst>
+              <a:ext uri="{FF2B5EF4-FFF2-40B4-BE49-F238E27FC236}">
+                <a16:creationId xmlns:a16="http://schemas.microsoft.com/office/drawing/2014/main" id="{CCF2425D-42B7-B897-AEFF-12BDE4344F76}"/>
+              </a:ext>
+            </a:extLst>
+          </p:cNvPr>
+          <p:cNvPicPr/>
+          <p:nvPr/>
+        </p:nvPicPr>
+        <p:blipFill>
+          <a:blip r:embed="rId3" cstate="print"/>
+          <a:stretch>
+            <a:fillRect/>
+          </a:stretch>
+        </p:blipFill>
+        <p:spPr>
+          <a:xfrm>
+            <a:off x="342862" y="1680417"/>
+            <a:ext cx="4482759" cy="1982190"/>
+          </a:xfrm>
+          <a:prstGeom prst="rect">
+            <a:avLst/>
+          </a:prstGeom>
+        </p:spPr>
+      </p:pic>
+      <p:sp>
+        <p:nvSpPr>
+          <p:cNvPr id="5" name="Notched Right Arrow 9">
+            <a:extLst>
+              <a:ext uri="{FF2B5EF4-FFF2-40B4-BE49-F238E27FC236}">
+                <a16:creationId xmlns:a16="http://schemas.microsoft.com/office/drawing/2014/main" id="{4A62ECA0-35DD-33E6-D8BC-D63D0F6CD124}"/>
+              </a:ext>
+            </a:extLst>
+          </p:cNvPr>
+          <p:cNvSpPr/>
+          <p:nvPr/>
+        </p:nvSpPr>
+        <p:spPr>
+          <a:xfrm>
+            <a:off x="4240404" y="2265534"/>
+            <a:ext cx="1703195" cy="373441"/>
+          </a:xfrm>
+          <a:prstGeom prst="notchedRightArrow">
+            <a:avLst/>
+          </a:prstGeom>
+        </p:spPr>
+        <p:style>
+          <a:lnRef idx="2">
+            <a:schemeClr val="accent2">
+              <a:shade val="50000"/>
+            </a:schemeClr>
+          </a:lnRef>
+          <a:fillRef idx="1">
+            <a:schemeClr val="accent2"/>
+          </a:fillRef>
+          <a:effectRef idx="0">
+            <a:schemeClr val="accent2"/>
+          </a:effectRef>
+          <a:fontRef idx="minor">
+            <a:schemeClr val="lt1"/>
+          </a:fontRef>
+        </p:style>
+        <p:txBody>
+          <a:bodyPr rtlCol="0" anchor="ctr"/>
+          <a:lstStyle/>
+          <a:p>
+            <a:pPr algn="ctr"/>
+            <a:endParaRPr lang="en-US" dirty="0"/>
+          </a:p>
+        </p:txBody>
+      </p:sp>
+      <p:grpSp>
+        <p:nvGrpSpPr>
+          <p:cNvPr id="6" name="object 2">
+            <a:extLst>
+              <a:ext uri="{FF2B5EF4-FFF2-40B4-BE49-F238E27FC236}">
+                <a16:creationId xmlns:a16="http://schemas.microsoft.com/office/drawing/2014/main" id="{CC83F4B8-4B29-7DE5-C389-33FCCA3DBDD1}"/>
+              </a:ext>
+            </a:extLst>
+          </p:cNvPr>
+          <p:cNvGrpSpPr/>
+          <p:nvPr/>
+        </p:nvGrpSpPr>
+        <p:grpSpPr>
+          <a:xfrm>
+            <a:off x="6037652" y="1554372"/>
+            <a:ext cx="2649148" cy="4216469"/>
+            <a:chOff x="5339848" y="-674682"/>
+            <a:chExt cx="2649148" cy="4216469"/>
+          </a:xfrm>
+        </p:grpSpPr>
+        <p:pic>
+          <p:nvPicPr>
+            <p:cNvPr id="9" name="object 4">
+              <a:extLst>
+                <a:ext uri="{FF2B5EF4-FFF2-40B4-BE49-F238E27FC236}">
+                  <a16:creationId xmlns:a16="http://schemas.microsoft.com/office/drawing/2014/main" id="{102EC5FE-A098-5CEB-DC15-123620118F44}"/>
+                </a:ext>
+              </a:extLst>
+            </p:cNvPr>
+            <p:cNvPicPr/>
+            <p:nvPr/>
+          </p:nvPicPr>
+          <p:blipFill>
+            <a:blip r:embed="rId4" cstate="print"/>
+            <a:stretch>
+              <a:fillRect/>
+            </a:stretch>
+          </p:blipFill>
+          <p:spPr>
+            <a:xfrm>
+              <a:off x="5339848" y="-674682"/>
+              <a:ext cx="2649148" cy="1795767"/>
+            </a:xfrm>
+            <a:prstGeom prst="rect">
+              <a:avLst/>
+            </a:prstGeom>
+          </p:spPr>
+        </p:pic>
+        <p:pic>
+          <p:nvPicPr>
+            <p:cNvPr id="10" name="object 5">
+              <a:extLst>
+                <a:ext uri="{FF2B5EF4-FFF2-40B4-BE49-F238E27FC236}">
+                  <a16:creationId xmlns:a16="http://schemas.microsoft.com/office/drawing/2014/main" id="{1C05E305-4401-0E33-4527-BDACA8418A04}"/>
+                </a:ext>
+              </a:extLst>
+            </p:cNvPr>
+            <p:cNvPicPr/>
+            <p:nvPr/>
+          </p:nvPicPr>
+          <p:blipFill>
+            <a:blip r:embed="rId5" cstate="print"/>
+            <a:stretch>
+              <a:fillRect/>
+            </a:stretch>
+          </p:blipFill>
+          <p:spPr>
+            <a:xfrm>
+              <a:off x="5339848" y="1746020"/>
+              <a:ext cx="2497247" cy="1795767"/>
+            </a:xfrm>
+            <a:prstGeom prst="rect">
+              <a:avLst/>
+            </a:prstGeom>
+          </p:spPr>
+        </p:pic>
+      </p:grpSp>
+      <p:pic>
+        <p:nvPicPr>
+          <p:cNvPr id="11" name="object 7">
+            <a:extLst>
+              <a:ext uri="{FF2B5EF4-FFF2-40B4-BE49-F238E27FC236}">
+                <a16:creationId xmlns:a16="http://schemas.microsoft.com/office/drawing/2014/main" id="{63AE73E0-506C-170C-18E5-218EDCF72D5C}"/>
+              </a:ext>
+            </a:extLst>
+          </p:cNvPr>
+          <p:cNvPicPr/>
+          <p:nvPr/>
+        </p:nvPicPr>
+        <p:blipFill>
+          <a:blip r:embed="rId6" cstate="print"/>
+          <a:stretch>
+            <a:fillRect/>
+          </a:stretch>
+        </p:blipFill>
+        <p:spPr>
+          <a:xfrm>
+            <a:off x="457200" y="4210161"/>
+            <a:ext cx="3317358" cy="1046525"/>
+          </a:xfrm>
+          <a:prstGeom prst="rect">
+            <a:avLst/>
+          </a:prstGeom>
+        </p:spPr>
+      </p:pic>
+      <p:sp>
+        <p:nvSpPr>
+          <p:cNvPr id="12" name="Notched Right Arrow 9">
+            <a:extLst>
+              <a:ext uri="{FF2B5EF4-FFF2-40B4-BE49-F238E27FC236}">
+                <a16:creationId xmlns:a16="http://schemas.microsoft.com/office/drawing/2014/main" id="{D459582F-F9AB-E7D3-4285-084C3801421A}"/>
+              </a:ext>
+            </a:extLst>
+          </p:cNvPr>
+          <p:cNvSpPr/>
+          <p:nvPr/>
+        </p:nvSpPr>
+        <p:spPr>
+          <a:xfrm>
+            <a:off x="4325111" y="4651131"/>
+            <a:ext cx="1703195" cy="373441"/>
+          </a:xfrm>
+          <a:prstGeom prst="notchedRightArrow">
+            <a:avLst/>
+          </a:prstGeom>
+        </p:spPr>
+        <p:style>
+          <a:lnRef idx="2">
+            <a:schemeClr val="accent2">
+              <a:shade val="50000"/>
+            </a:schemeClr>
+          </a:lnRef>
+          <a:fillRef idx="1">
+            <a:schemeClr val="accent2"/>
+          </a:fillRef>
+          <a:effectRef idx="0">
+            <a:schemeClr val="accent2"/>
+          </a:effectRef>
+          <a:fontRef idx="minor">
+            <a:schemeClr val="lt1"/>
+          </a:fontRef>
+        </p:style>
+        <p:txBody>
+          <a:bodyPr rtlCol="0" anchor="ctr"/>
+          <a:lstStyle/>
+          <a:p>
+            <a:pPr algn="ctr"/>
+            <a:endParaRPr lang="en-US" dirty="0"/>
+          </a:p>
+        </p:txBody>
+      </p:sp>
+    </p:spTree>
+    <p:extLst>
+      <p:ext uri="{BB962C8B-B14F-4D97-AF65-F5344CB8AC3E}">
+        <p14:creationId xmlns:p14="http://schemas.microsoft.com/office/powerpoint/2010/main" val="901098948"/>
+      </p:ext>
+    </p:extLst>
+  </p:cSld>
+  <p:clrMapOvr>
+    <a:masterClrMapping/>
+  </p:clrMapOvr>
+</p:sld>
+</file>
+
+<file path=ppt/slides/slide26.xml><?xml version="1.0" encoding="utf-8"?>
+<p:sld xmlns:a="http://schemas.openxmlformats.org/drawingml/2006/main" xmlns:r="http://schemas.openxmlformats.org/officeDocument/2006/relationships" xmlns:p="http://schemas.openxmlformats.org/presentationml/2006/main">
+  <p:cSld>
+    <p:spTree>
+      <p:nvGrpSpPr>
+        <p:cNvPr id="1" name="Shape 75">
+          <a:extLst>
+            <a:ext uri="{FF2B5EF4-FFF2-40B4-BE49-F238E27FC236}">
+              <a16:creationId xmlns:a16="http://schemas.microsoft.com/office/drawing/2014/main" id="{2413E158-1305-D3F6-4897-1764CB3FC225}"/>
+            </a:ext>
+          </a:extLst>
+        </p:cNvPr>
+        <p:cNvGrpSpPr/>
+        <p:nvPr/>
+      </p:nvGrpSpPr>
+      <p:grpSpPr>
+        <a:xfrm>
+          <a:off x="0" y="0"/>
+          <a:ext cx="0" cy="0"/>
+          <a:chOff x="0" y="0"/>
+          <a:chExt cx="0" cy="0"/>
+        </a:xfrm>
+      </p:grpSpPr>
+      <p:sp>
+        <p:nvSpPr>
+          <p:cNvPr id="7" name="Google Shape;95;g331b33b41a2_1_13">
+            <a:extLst>
+              <a:ext uri="{FF2B5EF4-FFF2-40B4-BE49-F238E27FC236}">
+                <a16:creationId xmlns:a16="http://schemas.microsoft.com/office/drawing/2014/main" id="{4936BC58-2B89-7432-4666-D7B2DFD31E5E}"/>
+              </a:ext>
+            </a:extLst>
+          </p:cNvPr>
+          <p:cNvSpPr txBox="1">
+            <a:spLocks/>
+          </p:cNvSpPr>
+          <p:nvPr/>
+        </p:nvSpPr>
+        <p:spPr>
+          <a:xfrm>
+            <a:off x="457200" y="152400"/>
+            <a:ext cx="8229600" cy="457200"/>
+          </a:xfrm>
+          <a:prstGeom prst="rect">
+            <a:avLst/>
+          </a:prstGeom>
+          <a:noFill/>
+          <a:ln>
+            <a:noFill/>
+          </a:ln>
+        </p:spPr>
+        <p:txBody>
+          <a:bodyPr spcFirstLastPara="1" wrap="square" lIns="92075" tIns="46025" rIns="92075" bIns="46025" anchor="ctr" anchorCtr="0">
+            <a:noAutofit/>
+          </a:bodyPr>
+          <a:lstStyle>
+            <a:defPPr marR="0" lvl="0" algn="l" rtl="0">
+              <a:lnSpc>
+                <a:spcPct val="100000"/>
+              </a:lnSpc>
+              <a:spcBef>
+                <a:spcPts val="0"/>
+              </a:spcBef>
+              <a:spcAft>
+                <a:spcPts val="0"/>
+              </a:spcAft>
+            </a:defPPr>
+            <a:lvl1pPr marR="0" lvl="0" algn="ctr" rtl="0">
+              <a:lnSpc>
+                <a:spcPct val="100000"/>
+              </a:lnSpc>
+              <a:spcBef>
+                <a:spcPts val="0"/>
+              </a:spcBef>
+              <a:spcAft>
+                <a:spcPts val="0"/>
+              </a:spcAft>
+              <a:buClr>
+                <a:srgbClr val="000000"/>
+              </a:buClr>
+              <a:buSzPts val="1400"/>
+              <a:buFont typeface="Arial"/>
+              <a:buNone/>
+              <a:defRPr sz="3600" b="0" i="0" u="none" strike="noStrike" cap="none">
+                <a:solidFill>
+                  <a:schemeClr val="dk2"/>
+                </a:solidFill>
+                <a:latin typeface="Times New Roman"/>
+                <a:ea typeface="Times New Roman"/>
+                <a:cs typeface="Times New Roman"/>
+                <a:sym typeface="Times New Roman"/>
+              </a:defRPr>
+            </a:lvl1pPr>
+            <a:lvl2pPr marR="0" lvl="1" algn="ctr" rtl="0">
+              <a:lnSpc>
+                <a:spcPct val="100000"/>
+              </a:lnSpc>
+              <a:spcBef>
+                <a:spcPts val="0"/>
+              </a:spcBef>
+              <a:spcAft>
+                <a:spcPts val="0"/>
+              </a:spcAft>
+              <a:buClr>
+                <a:srgbClr val="000000"/>
+              </a:buClr>
+              <a:buSzPts val="1400"/>
+              <a:buFont typeface="Arial"/>
+              <a:buNone/>
+              <a:defRPr sz="3600" b="0" i="0" u="none" strike="noStrike" cap="none">
+                <a:solidFill>
+                  <a:schemeClr val="dk2"/>
+                </a:solidFill>
+                <a:latin typeface="Times New Roman"/>
+                <a:ea typeface="Times New Roman"/>
+                <a:cs typeface="Times New Roman"/>
+                <a:sym typeface="Times New Roman"/>
+              </a:defRPr>
+            </a:lvl2pPr>
+            <a:lvl3pPr marR="0" lvl="2" algn="ctr" rtl="0">
+              <a:lnSpc>
+                <a:spcPct val="100000"/>
+              </a:lnSpc>
+              <a:spcBef>
+                <a:spcPts val="0"/>
+              </a:spcBef>
+              <a:spcAft>
+                <a:spcPts val="0"/>
+              </a:spcAft>
+              <a:buClr>
+                <a:srgbClr val="000000"/>
+              </a:buClr>
+              <a:buSzPts val="1400"/>
+              <a:buFont typeface="Arial"/>
+              <a:buNone/>
+              <a:defRPr sz="3600" b="0" i="0" u="none" strike="noStrike" cap="none">
+                <a:solidFill>
+                  <a:schemeClr val="dk2"/>
+                </a:solidFill>
+                <a:latin typeface="Times New Roman"/>
+                <a:ea typeface="Times New Roman"/>
+                <a:cs typeface="Times New Roman"/>
+                <a:sym typeface="Times New Roman"/>
+              </a:defRPr>
+            </a:lvl3pPr>
+            <a:lvl4pPr marR="0" lvl="3" algn="ctr" rtl="0">
+              <a:lnSpc>
+                <a:spcPct val="100000"/>
+              </a:lnSpc>
+              <a:spcBef>
+                <a:spcPts val="0"/>
+              </a:spcBef>
+              <a:spcAft>
+                <a:spcPts val="0"/>
+              </a:spcAft>
+              <a:buClr>
+                <a:srgbClr val="000000"/>
+              </a:buClr>
+              <a:buSzPts val="1400"/>
+              <a:buFont typeface="Arial"/>
+              <a:buNone/>
+              <a:defRPr sz="3600" b="0" i="0" u="none" strike="noStrike" cap="none">
+                <a:solidFill>
+                  <a:schemeClr val="dk2"/>
+                </a:solidFill>
+                <a:latin typeface="Times New Roman"/>
+                <a:ea typeface="Times New Roman"/>
+                <a:cs typeface="Times New Roman"/>
+                <a:sym typeface="Times New Roman"/>
+              </a:defRPr>
+            </a:lvl4pPr>
+            <a:lvl5pPr marR="0" lvl="4" algn="ctr" rtl="0">
+              <a:lnSpc>
+                <a:spcPct val="100000"/>
+              </a:lnSpc>
+              <a:spcBef>
+                <a:spcPts val="0"/>
+              </a:spcBef>
+              <a:spcAft>
+                <a:spcPts val="0"/>
+              </a:spcAft>
+              <a:buClr>
+                <a:srgbClr val="000000"/>
+              </a:buClr>
+              <a:buSzPts val="1400"/>
+              <a:buFont typeface="Arial"/>
+              <a:buNone/>
+              <a:defRPr sz="3600" b="0" i="0" u="none" strike="noStrike" cap="none">
+                <a:solidFill>
+                  <a:schemeClr val="dk2"/>
+                </a:solidFill>
+                <a:latin typeface="Times New Roman"/>
+                <a:ea typeface="Times New Roman"/>
+                <a:cs typeface="Times New Roman"/>
+                <a:sym typeface="Times New Roman"/>
+              </a:defRPr>
+            </a:lvl5pPr>
+            <a:lvl6pPr marR="0" lvl="5" algn="ctr" rtl="0">
+              <a:lnSpc>
+                <a:spcPct val="100000"/>
+              </a:lnSpc>
+              <a:spcBef>
+                <a:spcPts val="0"/>
+              </a:spcBef>
+              <a:spcAft>
+                <a:spcPts val="0"/>
+              </a:spcAft>
+              <a:buClr>
+                <a:srgbClr val="000000"/>
+              </a:buClr>
+              <a:buSzPts val="1400"/>
+              <a:buFont typeface="Arial"/>
+              <a:buNone/>
+              <a:defRPr sz="3600" b="0" i="0" u="none" strike="noStrike" cap="none">
+                <a:solidFill>
+                  <a:schemeClr val="dk2"/>
+                </a:solidFill>
+                <a:latin typeface="Times New Roman"/>
+                <a:ea typeface="Times New Roman"/>
+                <a:cs typeface="Times New Roman"/>
+                <a:sym typeface="Times New Roman"/>
+              </a:defRPr>
+            </a:lvl6pPr>
+            <a:lvl7pPr marR="0" lvl="6" algn="ctr" rtl="0">
+              <a:lnSpc>
+                <a:spcPct val="100000"/>
+              </a:lnSpc>
+              <a:spcBef>
+                <a:spcPts val="0"/>
+              </a:spcBef>
+              <a:spcAft>
+                <a:spcPts val="0"/>
+              </a:spcAft>
+              <a:buClr>
+                <a:srgbClr val="000000"/>
+              </a:buClr>
+              <a:buSzPts val="1400"/>
+              <a:buFont typeface="Arial"/>
+              <a:buNone/>
+              <a:defRPr sz="3600" b="0" i="0" u="none" strike="noStrike" cap="none">
+                <a:solidFill>
+                  <a:schemeClr val="dk2"/>
+                </a:solidFill>
+                <a:latin typeface="Times New Roman"/>
+                <a:ea typeface="Times New Roman"/>
+                <a:cs typeface="Times New Roman"/>
+                <a:sym typeface="Times New Roman"/>
+              </a:defRPr>
+            </a:lvl7pPr>
+            <a:lvl8pPr marR="0" lvl="7" algn="ctr" rtl="0">
+              <a:lnSpc>
+                <a:spcPct val="100000"/>
+              </a:lnSpc>
+              <a:spcBef>
+                <a:spcPts val="0"/>
+              </a:spcBef>
+              <a:spcAft>
+                <a:spcPts val="0"/>
+              </a:spcAft>
+              <a:buClr>
+                <a:srgbClr val="000000"/>
+              </a:buClr>
+              <a:buSzPts val="1400"/>
+              <a:buFont typeface="Arial"/>
+              <a:buNone/>
+              <a:defRPr sz="3600" b="0" i="0" u="none" strike="noStrike" cap="none">
+                <a:solidFill>
+                  <a:schemeClr val="dk2"/>
+                </a:solidFill>
+                <a:latin typeface="Times New Roman"/>
+                <a:ea typeface="Times New Roman"/>
+                <a:cs typeface="Times New Roman"/>
+                <a:sym typeface="Times New Roman"/>
+              </a:defRPr>
+            </a:lvl8pPr>
+            <a:lvl9pPr marR="0" lvl="8" algn="ctr" rtl="0">
+              <a:lnSpc>
+                <a:spcPct val="100000"/>
+              </a:lnSpc>
+              <a:spcBef>
+                <a:spcPts val="0"/>
+              </a:spcBef>
+              <a:spcAft>
+                <a:spcPts val="0"/>
+              </a:spcAft>
+              <a:buClr>
+                <a:srgbClr val="000000"/>
+              </a:buClr>
+              <a:buSzPts val="1400"/>
+              <a:buFont typeface="Arial"/>
+              <a:buNone/>
+              <a:defRPr sz="3600" b="0" i="0" u="none" strike="noStrike" cap="none">
+                <a:solidFill>
+                  <a:schemeClr val="dk2"/>
+                </a:solidFill>
+                <a:latin typeface="Times New Roman"/>
+                <a:ea typeface="Times New Roman"/>
+                <a:cs typeface="Times New Roman"/>
+                <a:sym typeface="Times New Roman"/>
+              </a:defRPr>
+            </a:lvl9pPr>
+          </a:lstStyle>
+          <a:p>
+            <a:r>
+              <a:rPr lang="en-US" dirty="0"/>
+              <a:t>Counting Sort</a:t>
+            </a:r>
+          </a:p>
+        </p:txBody>
+      </p:sp>
+      <p:sp>
+        <p:nvSpPr>
+          <p:cNvPr id="8" name="object 5">
+            <a:extLst>
+              <a:ext uri="{FF2B5EF4-FFF2-40B4-BE49-F238E27FC236}">
+                <a16:creationId xmlns:a16="http://schemas.microsoft.com/office/drawing/2014/main" id="{CBD4DEA0-0B08-0DDC-960E-47BD42593E08}"/>
+              </a:ext>
+            </a:extLst>
+          </p:cNvPr>
+          <p:cNvSpPr txBox="1">
+            <a:spLocks/>
+          </p:cNvSpPr>
+          <p:nvPr/>
+        </p:nvSpPr>
+        <p:spPr>
+          <a:xfrm>
+            <a:off x="2706624" y="6386538"/>
+            <a:ext cx="3236975" cy="319062"/>
+          </a:xfrm>
+          <a:prstGeom prst="rect">
+            <a:avLst/>
+          </a:prstGeom>
+        </p:spPr>
+        <p:txBody>
+          <a:bodyPr vert="horz" wrap="square" lIns="0" tIns="0" rIns="0" bIns="0" rtlCol="0">
+            <a:spAutoFit/>
+          </a:bodyPr>
+          <a:lstStyle>
+            <a:defPPr marR="0" lvl="0" algn="l" rtl="0">
+              <a:lnSpc>
+                <a:spcPct val="100000"/>
+              </a:lnSpc>
+              <a:spcBef>
+                <a:spcPts val="0"/>
+              </a:spcBef>
+              <a:spcAft>
+                <a:spcPts val="0"/>
+              </a:spcAft>
+            </a:defPPr>
+            <a:lvl1pPr marR="0" lvl="0" algn="l" rtl="0">
+              <a:lnSpc>
+                <a:spcPct val="100000"/>
+              </a:lnSpc>
+              <a:spcBef>
+                <a:spcPts val="0"/>
+              </a:spcBef>
+              <a:spcAft>
+                <a:spcPts val="0"/>
+              </a:spcAft>
+              <a:buClr>
+                <a:srgbClr val="000000"/>
+              </a:buClr>
+              <a:buFont typeface="Arial"/>
+              <a:defRPr sz="1400" b="0" i="0" u="none" strike="noStrike" cap="none">
+                <a:solidFill>
+                  <a:srgbClr val="000000"/>
+                </a:solidFill>
+                <a:latin typeface="Arial"/>
+                <a:ea typeface="Arial"/>
+                <a:cs typeface="Arial"/>
+                <a:sym typeface="Arial"/>
+              </a:defRPr>
+            </a:lvl1pPr>
+            <a:lvl2pPr marR="0" lvl="1" algn="l" rtl="0">
+              <a:lnSpc>
+                <a:spcPct val="100000"/>
+              </a:lnSpc>
+              <a:spcBef>
+                <a:spcPts val="0"/>
+              </a:spcBef>
+              <a:spcAft>
+                <a:spcPts val="0"/>
+              </a:spcAft>
+              <a:buClr>
+                <a:srgbClr val="000000"/>
+              </a:buClr>
+              <a:buFont typeface="Arial"/>
+              <a:defRPr sz="1400" b="0" i="0" u="none" strike="noStrike" cap="none">
+                <a:solidFill>
+                  <a:srgbClr val="000000"/>
+                </a:solidFill>
+                <a:latin typeface="Arial"/>
+                <a:ea typeface="Arial"/>
+                <a:cs typeface="Arial"/>
+                <a:sym typeface="Arial"/>
+              </a:defRPr>
+            </a:lvl2pPr>
+            <a:lvl3pPr marR="0" lvl="2" algn="l" rtl="0">
+              <a:lnSpc>
+                <a:spcPct val="100000"/>
+              </a:lnSpc>
+              <a:spcBef>
+                <a:spcPts val="0"/>
+              </a:spcBef>
+              <a:spcAft>
+                <a:spcPts val="0"/>
+              </a:spcAft>
+              <a:buClr>
+                <a:srgbClr val="000000"/>
+              </a:buClr>
+              <a:buFont typeface="Arial"/>
+              <a:defRPr sz="1400" b="0" i="0" u="none" strike="noStrike" cap="none">
+                <a:solidFill>
+                  <a:srgbClr val="000000"/>
+                </a:solidFill>
+                <a:latin typeface="Arial"/>
+                <a:ea typeface="Arial"/>
+                <a:cs typeface="Arial"/>
+                <a:sym typeface="Arial"/>
+              </a:defRPr>
+            </a:lvl3pPr>
+            <a:lvl4pPr marR="0" lvl="3" algn="l" rtl="0">
+              <a:lnSpc>
+                <a:spcPct val="100000"/>
+              </a:lnSpc>
+              <a:spcBef>
+                <a:spcPts val="0"/>
+              </a:spcBef>
+              <a:spcAft>
+                <a:spcPts val="0"/>
+              </a:spcAft>
+              <a:buClr>
+                <a:srgbClr val="000000"/>
+              </a:buClr>
+              <a:buFont typeface="Arial"/>
+              <a:defRPr sz="1400" b="0" i="0" u="none" strike="noStrike" cap="none">
+                <a:solidFill>
+                  <a:srgbClr val="000000"/>
+                </a:solidFill>
+                <a:latin typeface="Arial"/>
+                <a:ea typeface="Arial"/>
+                <a:cs typeface="Arial"/>
+                <a:sym typeface="Arial"/>
+              </a:defRPr>
+            </a:lvl4pPr>
+            <a:lvl5pPr marR="0" lvl="4" algn="l" rtl="0">
+              <a:lnSpc>
+                <a:spcPct val="100000"/>
+              </a:lnSpc>
+              <a:spcBef>
+                <a:spcPts val="0"/>
+              </a:spcBef>
+              <a:spcAft>
+                <a:spcPts val="0"/>
+              </a:spcAft>
+              <a:buClr>
+                <a:srgbClr val="000000"/>
+              </a:buClr>
+              <a:buFont typeface="Arial"/>
+              <a:defRPr sz="1400" b="0" i="0" u="none" strike="noStrike" cap="none">
+                <a:solidFill>
+                  <a:srgbClr val="000000"/>
+                </a:solidFill>
+                <a:latin typeface="Arial"/>
+                <a:ea typeface="Arial"/>
+                <a:cs typeface="Arial"/>
+                <a:sym typeface="Arial"/>
+              </a:defRPr>
+            </a:lvl5pPr>
+            <a:lvl6pPr marR="0" lvl="5" algn="l" rtl="0">
+              <a:lnSpc>
+                <a:spcPct val="100000"/>
+              </a:lnSpc>
+              <a:spcBef>
+                <a:spcPts val="0"/>
+              </a:spcBef>
+              <a:spcAft>
+                <a:spcPts val="0"/>
+              </a:spcAft>
+              <a:buClr>
+                <a:srgbClr val="000000"/>
+              </a:buClr>
+              <a:buFont typeface="Arial"/>
+              <a:defRPr sz="1400" b="0" i="0" u="none" strike="noStrike" cap="none">
+                <a:solidFill>
+                  <a:srgbClr val="000000"/>
+                </a:solidFill>
+                <a:latin typeface="Arial"/>
+                <a:ea typeface="Arial"/>
+                <a:cs typeface="Arial"/>
+                <a:sym typeface="Arial"/>
+              </a:defRPr>
+            </a:lvl6pPr>
+            <a:lvl7pPr marR="0" lvl="6" algn="l" rtl="0">
+              <a:lnSpc>
+                <a:spcPct val="100000"/>
+              </a:lnSpc>
+              <a:spcBef>
+                <a:spcPts val="0"/>
+              </a:spcBef>
+              <a:spcAft>
+                <a:spcPts val="0"/>
+              </a:spcAft>
+              <a:buClr>
+                <a:srgbClr val="000000"/>
+              </a:buClr>
+              <a:buFont typeface="Arial"/>
+              <a:defRPr sz="1400" b="0" i="0" u="none" strike="noStrike" cap="none">
+                <a:solidFill>
+                  <a:srgbClr val="000000"/>
+                </a:solidFill>
+                <a:latin typeface="Arial"/>
+                <a:ea typeface="Arial"/>
+                <a:cs typeface="Arial"/>
+                <a:sym typeface="Arial"/>
+              </a:defRPr>
+            </a:lvl7pPr>
+            <a:lvl8pPr marR="0" lvl="7" algn="l" rtl="0">
+              <a:lnSpc>
+                <a:spcPct val="100000"/>
+              </a:lnSpc>
+              <a:spcBef>
+                <a:spcPts val="0"/>
+              </a:spcBef>
+              <a:spcAft>
+                <a:spcPts val="0"/>
+              </a:spcAft>
+              <a:buClr>
+                <a:srgbClr val="000000"/>
+              </a:buClr>
+              <a:buFont typeface="Arial"/>
+              <a:defRPr sz="1400" b="0" i="0" u="none" strike="noStrike" cap="none">
+                <a:solidFill>
+                  <a:srgbClr val="000000"/>
+                </a:solidFill>
+                <a:latin typeface="Arial"/>
+                <a:ea typeface="Arial"/>
+                <a:cs typeface="Arial"/>
+                <a:sym typeface="Arial"/>
+              </a:defRPr>
+            </a:lvl8pPr>
+            <a:lvl9pPr marR="0" lvl="8" algn="l" rtl="0">
+              <a:lnSpc>
+                <a:spcPct val="100000"/>
+              </a:lnSpc>
+              <a:spcBef>
+                <a:spcPts val="0"/>
+              </a:spcBef>
+              <a:spcAft>
+                <a:spcPts val="0"/>
+              </a:spcAft>
+              <a:buClr>
+                <a:srgbClr val="000000"/>
+              </a:buClr>
+              <a:buFont typeface="Arial"/>
+              <a:defRPr sz="1400" b="0" i="0" u="none" strike="noStrike" cap="none">
+                <a:solidFill>
+                  <a:srgbClr val="000000"/>
+                </a:solidFill>
+                <a:latin typeface="Arial"/>
+                <a:ea typeface="Arial"/>
+                <a:cs typeface="Arial"/>
+                <a:sym typeface="Arial"/>
+              </a:defRPr>
+            </a:lvl9pPr>
+          </a:lstStyle>
+          <a:p>
+            <a:pPr algn="ctr">
+              <a:lnSpc>
+                <a:spcPts val="1240"/>
+              </a:lnSpc>
+            </a:pPr>
+            <a:r>
+              <a:rPr lang="en-GB" dirty="0">
+                <a:solidFill>
+                  <a:schemeClr val="tx2"/>
+                </a:solidFill>
+                <a:latin typeface="Aptos Display" panose="020B0004020202020204" pitchFamily="34" charset="0"/>
+              </a:rPr>
+              <a:t>Lecturer Saifur Rahman,</a:t>
+            </a:r>
+            <a:r>
+              <a:rPr lang="en-GB" spc="-30" dirty="0">
+                <a:solidFill>
+                  <a:schemeClr val="tx2"/>
+                </a:solidFill>
+                <a:latin typeface="Aptos Display" panose="020B0004020202020204" pitchFamily="34" charset="0"/>
+              </a:rPr>
+              <a:t> </a:t>
+            </a:r>
+            <a:r>
+              <a:rPr lang="en-GB" dirty="0">
+                <a:solidFill>
+                  <a:schemeClr val="tx2"/>
+                </a:solidFill>
+                <a:latin typeface="Aptos Display" panose="020B0004020202020204" pitchFamily="34" charset="0"/>
+              </a:rPr>
+              <a:t>Dept.</a:t>
+            </a:r>
+            <a:r>
+              <a:rPr lang="en-GB" spc="-50" dirty="0">
+                <a:solidFill>
+                  <a:schemeClr val="tx2"/>
+                </a:solidFill>
+                <a:latin typeface="Aptos Display" panose="020B0004020202020204" pitchFamily="34" charset="0"/>
+              </a:rPr>
+              <a:t> </a:t>
+            </a:r>
+            <a:r>
+              <a:rPr lang="en-GB" dirty="0">
+                <a:solidFill>
+                  <a:schemeClr val="tx2"/>
+                </a:solidFill>
+                <a:latin typeface="Aptos Display" panose="020B0004020202020204" pitchFamily="34" charset="0"/>
+              </a:rPr>
+              <a:t>of</a:t>
+            </a:r>
+            <a:r>
+              <a:rPr lang="en-GB" spc="-20" dirty="0">
+                <a:solidFill>
+                  <a:schemeClr val="tx2"/>
+                </a:solidFill>
+                <a:latin typeface="Aptos Display" panose="020B0004020202020204" pitchFamily="34" charset="0"/>
+              </a:rPr>
+              <a:t> </a:t>
+            </a:r>
+            <a:r>
+              <a:rPr lang="en-GB" dirty="0">
+                <a:solidFill>
+                  <a:schemeClr val="tx2"/>
+                </a:solidFill>
+                <a:latin typeface="Aptos Display" panose="020B0004020202020204" pitchFamily="34" charset="0"/>
+              </a:rPr>
+              <a:t>CSE,</a:t>
+            </a:r>
+            <a:r>
+              <a:rPr lang="en-GB" spc="-15" dirty="0">
+                <a:solidFill>
+                  <a:schemeClr val="tx2"/>
+                </a:solidFill>
+                <a:latin typeface="Aptos Display" panose="020B0004020202020204" pitchFamily="34" charset="0"/>
+              </a:rPr>
+              <a:t> </a:t>
+            </a:r>
+            <a:r>
+              <a:rPr lang="en-GB" spc="-10" dirty="0">
+                <a:solidFill>
+                  <a:schemeClr val="tx2"/>
+                </a:solidFill>
+                <a:latin typeface="Aptos Display" panose="020B0004020202020204" pitchFamily="34" charset="0"/>
+              </a:rPr>
+              <a:t>United International</a:t>
+            </a:r>
+            <a:r>
+              <a:rPr lang="en-GB" spc="15" dirty="0">
+                <a:solidFill>
+                  <a:schemeClr val="tx2"/>
+                </a:solidFill>
+                <a:latin typeface="Aptos Display" panose="020B0004020202020204" pitchFamily="34" charset="0"/>
+              </a:rPr>
+              <a:t> </a:t>
+            </a:r>
+            <a:r>
+              <a:rPr lang="en-GB" spc="-10" dirty="0">
+                <a:solidFill>
+                  <a:schemeClr val="tx2"/>
+                </a:solidFill>
+                <a:latin typeface="Aptos Display" panose="020B0004020202020204" pitchFamily="34" charset="0"/>
+              </a:rPr>
+              <a:t>University</a:t>
+            </a:r>
+          </a:p>
+        </p:txBody>
+      </p:sp>
+      <p:pic>
+        <p:nvPicPr>
+          <p:cNvPr id="3" name="object 5">
+            <a:extLst>
+              <a:ext uri="{FF2B5EF4-FFF2-40B4-BE49-F238E27FC236}">
+                <a16:creationId xmlns:a16="http://schemas.microsoft.com/office/drawing/2014/main" id="{374FB120-2BD1-5080-44D1-3B1CC0351DE7}"/>
+              </a:ext>
+            </a:extLst>
+          </p:cNvPr>
+          <p:cNvPicPr/>
+          <p:nvPr/>
+        </p:nvPicPr>
+        <p:blipFill>
+          <a:blip r:embed="rId3" cstate="print"/>
+          <a:stretch>
+            <a:fillRect/>
+          </a:stretch>
+        </p:blipFill>
+        <p:spPr>
+          <a:xfrm>
+            <a:off x="195414" y="1430025"/>
+            <a:ext cx="1945704" cy="1473780"/>
+          </a:xfrm>
+          <a:prstGeom prst="rect">
+            <a:avLst/>
+          </a:prstGeom>
+        </p:spPr>
+      </p:pic>
+      <p:pic>
+        <p:nvPicPr>
+          <p:cNvPr id="4" name="object 8">
+            <a:extLst>
+              <a:ext uri="{FF2B5EF4-FFF2-40B4-BE49-F238E27FC236}">
+                <a16:creationId xmlns:a16="http://schemas.microsoft.com/office/drawing/2014/main" id="{E8D51E8E-8DFD-1845-FB6E-62F513784B72}"/>
+              </a:ext>
+            </a:extLst>
+          </p:cNvPr>
+          <p:cNvPicPr/>
+          <p:nvPr/>
+        </p:nvPicPr>
+        <p:blipFill>
+          <a:blip r:embed="rId4" cstate="print"/>
+          <a:stretch>
+            <a:fillRect/>
+          </a:stretch>
+        </p:blipFill>
+        <p:spPr>
+          <a:xfrm>
+            <a:off x="232348" y="3490275"/>
+            <a:ext cx="2940908" cy="976604"/>
+          </a:xfrm>
+          <a:prstGeom prst="rect">
+            <a:avLst/>
+          </a:prstGeom>
+        </p:spPr>
+      </p:pic>
+      <p:pic>
+        <p:nvPicPr>
+          <p:cNvPr id="13" name="Picture 12">
+            <a:extLst>
+              <a:ext uri="{FF2B5EF4-FFF2-40B4-BE49-F238E27FC236}">
+                <a16:creationId xmlns:a16="http://schemas.microsoft.com/office/drawing/2014/main" id="{EC785179-9913-AC0D-4FE4-81D8B52840EC}"/>
+              </a:ext>
+            </a:extLst>
+          </p:cNvPr>
+          <p:cNvPicPr>
+            <a:picLocks noChangeAspect="1"/>
+          </p:cNvPicPr>
+          <p:nvPr/>
+        </p:nvPicPr>
+        <p:blipFill>
+          <a:blip r:embed="rId5"/>
+          <a:stretch>
+            <a:fillRect/>
+          </a:stretch>
+        </p:blipFill>
+        <p:spPr>
+          <a:xfrm>
+            <a:off x="5943599" y="1001927"/>
+            <a:ext cx="2512596" cy="1344547"/>
+          </a:xfrm>
+          <a:prstGeom prst="rect">
+            <a:avLst/>
+          </a:prstGeom>
+        </p:spPr>
+      </p:pic>
+      <p:sp>
+        <p:nvSpPr>
+          <p:cNvPr id="14" name="TextBox 13">
+            <a:extLst>
+              <a:ext uri="{FF2B5EF4-FFF2-40B4-BE49-F238E27FC236}">
+                <a16:creationId xmlns:a16="http://schemas.microsoft.com/office/drawing/2014/main" id="{70F5CC4F-8AB5-18B6-95EB-F87F8381345A}"/>
+              </a:ext>
+            </a:extLst>
+          </p:cNvPr>
+          <p:cNvSpPr txBox="1"/>
+          <p:nvPr/>
+        </p:nvSpPr>
+        <p:spPr>
+          <a:xfrm>
+            <a:off x="2171359" y="1766805"/>
+            <a:ext cx="1070530" cy="400110"/>
+          </a:xfrm>
+          <a:prstGeom prst="rect">
+            <a:avLst/>
+          </a:prstGeom>
+          <a:noFill/>
+        </p:spPr>
+        <p:txBody>
+          <a:bodyPr wrap="square" rtlCol="0">
+            <a:spAutoFit/>
+          </a:bodyPr>
+          <a:lstStyle/>
+          <a:p>
+            <a:r>
+              <a:rPr lang="en-US" sz="2000" b="1" dirty="0">
+                <a:solidFill>
+                  <a:schemeClr val="tx1"/>
+                </a:solidFill>
+              </a:rPr>
+              <a:t>Initial</a:t>
+            </a:r>
+          </a:p>
+        </p:txBody>
+      </p:sp>
+      <p:sp>
+        <p:nvSpPr>
+          <p:cNvPr id="15" name="TextBox 14">
+            <a:extLst>
+              <a:ext uri="{FF2B5EF4-FFF2-40B4-BE49-F238E27FC236}">
+                <a16:creationId xmlns:a16="http://schemas.microsoft.com/office/drawing/2014/main" id="{9A0ADFF1-929D-66ED-8EB0-E50CAAC78EC1}"/>
+              </a:ext>
+            </a:extLst>
+          </p:cNvPr>
+          <p:cNvSpPr txBox="1"/>
+          <p:nvPr/>
+        </p:nvSpPr>
+        <p:spPr>
+          <a:xfrm rot="19187976">
+            <a:off x="3645651" y="1963897"/>
+            <a:ext cx="1756084" cy="400110"/>
+          </a:xfrm>
+          <a:prstGeom prst="rect">
+            <a:avLst/>
+          </a:prstGeom>
+          <a:noFill/>
+        </p:spPr>
+        <p:txBody>
+          <a:bodyPr wrap="square" rtlCol="0">
+            <a:spAutoFit/>
+          </a:bodyPr>
+          <a:lstStyle/>
+          <a:p>
+            <a:r>
+              <a:rPr lang="en-US" sz="2000" b="1" dirty="0">
+                <a:solidFill>
+                  <a:schemeClr val="tx1"/>
+                </a:solidFill>
+              </a:rPr>
+              <a:t>1</a:t>
+            </a:r>
+            <a:r>
+              <a:rPr lang="en-US" sz="2000" b="1" baseline="30000" dirty="0">
+                <a:solidFill>
+                  <a:schemeClr val="tx1"/>
+                </a:solidFill>
+              </a:rPr>
+              <a:t>st</a:t>
+            </a:r>
+            <a:r>
+              <a:rPr lang="en-US" sz="2000" b="1" dirty="0">
+                <a:solidFill>
+                  <a:schemeClr val="tx1"/>
+                </a:solidFill>
+              </a:rPr>
+              <a:t> Iteration</a:t>
+            </a:r>
+          </a:p>
+        </p:txBody>
+      </p:sp>
+      <p:pic>
+        <p:nvPicPr>
+          <p:cNvPr id="16" name="Picture 15">
+            <a:extLst>
+              <a:ext uri="{FF2B5EF4-FFF2-40B4-BE49-F238E27FC236}">
+                <a16:creationId xmlns:a16="http://schemas.microsoft.com/office/drawing/2014/main" id="{245BF632-9B2A-ED8A-FB92-CF2DC95CBA5B}"/>
+              </a:ext>
+            </a:extLst>
+          </p:cNvPr>
+          <p:cNvPicPr>
+            <a:picLocks noChangeAspect="1"/>
+          </p:cNvPicPr>
+          <p:nvPr/>
+        </p:nvPicPr>
+        <p:blipFill>
+          <a:blip r:embed="rId6"/>
+          <a:stretch>
+            <a:fillRect/>
+          </a:stretch>
+        </p:blipFill>
+        <p:spPr>
+          <a:xfrm>
+            <a:off x="5943599" y="2600228"/>
+            <a:ext cx="2489403" cy="1211656"/>
+          </a:xfrm>
+          <a:prstGeom prst="rect">
+            <a:avLst/>
+          </a:prstGeom>
+        </p:spPr>
+      </p:pic>
+      <p:pic>
+        <p:nvPicPr>
+          <p:cNvPr id="17" name="Picture 16">
+            <a:extLst>
+              <a:ext uri="{FF2B5EF4-FFF2-40B4-BE49-F238E27FC236}">
+                <a16:creationId xmlns:a16="http://schemas.microsoft.com/office/drawing/2014/main" id="{FB3BE099-7BC0-C185-5DD9-04821B4FF019}"/>
+              </a:ext>
+            </a:extLst>
+          </p:cNvPr>
+          <p:cNvPicPr>
+            <a:picLocks noChangeAspect="1"/>
+          </p:cNvPicPr>
+          <p:nvPr/>
+        </p:nvPicPr>
+        <p:blipFill>
+          <a:blip r:embed="rId7"/>
+          <a:stretch>
+            <a:fillRect/>
+          </a:stretch>
+        </p:blipFill>
+        <p:spPr>
+          <a:xfrm>
+            <a:off x="5943599" y="3942518"/>
+            <a:ext cx="2396630" cy="1227290"/>
+          </a:xfrm>
+          <a:prstGeom prst="rect">
+            <a:avLst/>
+          </a:prstGeom>
+        </p:spPr>
+      </p:pic>
+      <p:pic>
+        <p:nvPicPr>
+          <p:cNvPr id="18" name="Picture 17">
+            <a:extLst>
+              <a:ext uri="{FF2B5EF4-FFF2-40B4-BE49-F238E27FC236}">
+                <a16:creationId xmlns:a16="http://schemas.microsoft.com/office/drawing/2014/main" id="{ADFAA3B4-30D9-6257-41B1-DACCA79C3A14}"/>
+              </a:ext>
+            </a:extLst>
+          </p:cNvPr>
+          <p:cNvPicPr>
+            <a:picLocks noChangeAspect="1"/>
+          </p:cNvPicPr>
+          <p:nvPr/>
+        </p:nvPicPr>
+        <p:blipFill>
+          <a:blip r:embed="rId8"/>
+          <a:stretch>
+            <a:fillRect/>
+          </a:stretch>
+        </p:blipFill>
+        <p:spPr>
+          <a:xfrm>
+            <a:off x="5943599" y="5358023"/>
+            <a:ext cx="2334781" cy="883336"/>
+          </a:xfrm>
+          <a:prstGeom prst="rect">
+            <a:avLst/>
+          </a:prstGeom>
+        </p:spPr>
+      </p:pic>
+      <p:cxnSp>
+        <p:nvCxnSpPr>
+          <p:cNvPr id="19" name="Straight Arrow Connector 18">
+            <a:extLst>
+              <a:ext uri="{FF2B5EF4-FFF2-40B4-BE49-F238E27FC236}">
+                <a16:creationId xmlns:a16="http://schemas.microsoft.com/office/drawing/2014/main" id="{EAF1CAEE-C8A8-3F4E-F47F-7DF9C538BB0F}"/>
+              </a:ext>
+            </a:extLst>
+          </p:cNvPr>
+          <p:cNvCxnSpPr>
+            <a:stCxn id="4" idx="3"/>
+            <a:endCxn id="13" idx="1"/>
+          </p:cNvCxnSpPr>
+          <p:nvPr/>
+        </p:nvCxnSpPr>
+        <p:spPr>
+          <a:xfrm flipV="1">
+            <a:off x="3173256" y="1674201"/>
+            <a:ext cx="2770343" cy="2304376"/>
+          </a:xfrm>
+          <a:prstGeom prst="straightConnector1">
+            <a:avLst/>
+          </a:prstGeom>
+          <a:ln>
+            <a:tailEnd type="triangle"/>
+          </a:ln>
+        </p:spPr>
+        <p:style>
+          <a:lnRef idx="3">
+            <a:schemeClr val="accent2"/>
+          </a:lnRef>
+          <a:fillRef idx="0">
+            <a:schemeClr val="accent2"/>
+          </a:fillRef>
+          <a:effectRef idx="2">
+            <a:schemeClr val="accent2"/>
+          </a:effectRef>
+          <a:fontRef idx="minor">
+            <a:schemeClr val="tx1"/>
+          </a:fontRef>
+        </p:style>
+      </p:cxnSp>
+      <p:cxnSp>
+        <p:nvCxnSpPr>
+          <p:cNvPr id="20" name="Straight Arrow Connector 19">
+            <a:extLst>
+              <a:ext uri="{FF2B5EF4-FFF2-40B4-BE49-F238E27FC236}">
+                <a16:creationId xmlns:a16="http://schemas.microsoft.com/office/drawing/2014/main" id="{7B568936-A843-D877-6088-F3FAC2CE4DCA}"/>
+              </a:ext>
+            </a:extLst>
+          </p:cNvPr>
+          <p:cNvCxnSpPr>
+            <a:cxnSpLocks/>
+            <a:stCxn id="4" idx="3"/>
+            <a:endCxn id="16" idx="1"/>
+          </p:cNvCxnSpPr>
+          <p:nvPr/>
+        </p:nvCxnSpPr>
+        <p:spPr>
+          <a:xfrm flipV="1">
+            <a:off x="3173256" y="3206056"/>
+            <a:ext cx="2770343" cy="772521"/>
+          </a:xfrm>
+          <a:prstGeom prst="straightConnector1">
+            <a:avLst/>
+          </a:prstGeom>
+          <a:ln>
+            <a:tailEnd type="triangle"/>
+          </a:ln>
+        </p:spPr>
+        <p:style>
+          <a:lnRef idx="3">
+            <a:schemeClr val="accent2"/>
+          </a:lnRef>
+          <a:fillRef idx="0">
+            <a:schemeClr val="accent2"/>
+          </a:fillRef>
+          <a:effectRef idx="2">
+            <a:schemeClr val="accent2"/>
+          </a:effectRef>
+          <a:fontRef idx="minor">
+            <a:schemeClr val="tx1"/>
+          </a:fontRef>
+        </p:style>
+      </p:cxnSp>
+      <p:cxnSp>
+        <p:nvCxnSpPr>
+          <p:cNvPr id="21" name="Straight Arrow Connector 20">
+            <a:extLst>
+              <a:ext uri="{FF2B5EF4-FFF2-40B4-BE49-F238E27FC236}">
+                <a16:creationId xmlns:a16="http://schemas.microsoft.com/office/drawing/2014/main" id="{9C190B3F-AB2D-BE32-19E9-2CBF2D85D2BE}"/>
+              </a:ext>
+            </a:extLst>
+          </p:cNvPr>
+          <p:cNvCxnSpPr>
+            <a:stCxn id="4" idx="3"/>
+            <a:endCxn id="17" idx="1"/>
+          </p:cNvCxnSpPr>
+          <p:nvPr/>
+        </p:nvCxnSpPr>
+        <p:spPr>
+          <a:xfrm>
+            <a:off x="3173256" y="3978577"/>
+            <a:ext cx="2770343" cy="577586"/>
+          </a:xfrm>
+          <a:prstGeom prst="straightConnector1">
+            <a:avLst/>
+          </a:prstGeom>
+          <a:ln>
+            <a:tailEnd type="triangle"/>
+          </a:ln>
+        </p:spPr>
+        <p:style>
+          <a:lnRef idx="3">
+            <a:schemeClr val="accent2"/>
+          </a:lnRef>
+          <a:fillRef idx="0">
+            <a:schemeClr val="accent2"/>
+          </a:fillRef>
+          <a:effectRef idx="2">
+            <a:schemeClr val="accent2"/>
+          </a:effectRef>
+          <a:fontRef idx="minor">
+            <a:schemeClr val="tx1"/>
+          </a:fontRef>
+        </p:style>
+      </p:cxnSp>
+      <p:sp>
+        <p:nvSpPr>
+          <p:cNvPr id="22" name="TextBox 21">
+            <a:extLst>
+              <a:ext uri="{FF2B5EF4-FFF2-40B4-BE49-F238E27FC236}">
+                <a16:creationId xmlns:a16="http://schemas.microsoft.com/office/drawing/2014/main" id="{85A966EA-52C8-D536-7956-EFC4AB27B1A7}"/>
+              </a:ext>
+            </a:extLst>
+          </p:cNvPr>
+          <p:cNvSpPr txBox="1"/>
+          <p:nvPr/>
+        </p:nvSpPr>
+        <p:spPr>
+          <a:xfrm rot="20879785">
+            <a:off x="4227090" y="3061332"/>
+            <a:ext cx="1821077" cy="400110"/>
+          </a:xfrm>
+          <a:prstGeom prst="rect">
+            <a:avLst/>
+          </a:prstGeom>
+          <a:noFill/>
+        </p:spPr>
+        <p:txBody>
+          <a:bodyPr wrap="square" rtlCol="0">
+            <a:spAutoFit/>
+          </a:bodyPr>
+          <a:lstStyle/>
+          <a:p>
+            <a:r>
+              <a:rPr lang="en-US" sz="2000" b="1" dirty="0">
+                <a:solidFill>
+                  <a:schemeClr val="tx1"/>
+                </a:solidFill>
+              </a:rPr>
+              <a:t>2</a:t>
+            </a:r>
+            <a:r>
+              <a:rPr lang="en-US" sz="2000" b="1" baseline="30000" dirty="0">
+                <a:solidFill>
+                  <a:schemeClr val="tx1"/>
+                </a:solidFill>
+              </a:rPr>
+              <a:t>nd</a:t>
+            </a:r>
+            <a:r>
+              <a:rPr lang="en-US" sz="2000" b="1" dirty="0">
+                <a:solidFill>
+                  <a:schemeClr val="tx1"/>
+                </a:solidFill>
+              </a:rPr>
+              <a:t> Iteration</a:t>
+            </a:r>
+          </a:p>
+        </p:txBody>
+      </p:sp>
+      <p:sp>
+        <p:nvSpPr>
+          <p:cNvPr id="23" name="TextBox 22">
+            <a:extLst>
+              <a:ext uri="{FF2B5EF4-FFF2-40B4-BE49-F238E27FC236}">
+                <a16:creationId xmlns:a16="http://schemas.microsoft.com/office/drawing/2014/main" id="{DB11DC1B-776B-75D1-F1F1-48E42C291E8D}"/>
+              </a:ext>
+            </a:extLst>
+          </p:cNvPr>
+          <p:cNvSpPr txBox="1"/>
+          <p:nvPr/>
+        </p:nvSpPr>
+        <p:spPr>
+          <a:xfrm rot="722271">
+            <a:off x="4076097" y="3984958"/>
+            <a:ext cx="1710712" cy="400110"/>
+          </a:xfrm>
+          <a:prstGeom prst="rect">
+            <a:avLst/>
+          </a:prstGeom>
+          <a:noFill/>
+        </p:spPr>
+        <p:txBody>
+          <a:bodyPr wrap="square" rtlCol="0">
+            <a:spAutoFit/>
+          </a:bodyPr>
+          <a:lstStyle/>
+          <a:p>
+            <a:r>
+              <a:rPr lang="en-US" sz="2000" b="1" dirty="0">
+                <a:solidFill>
+                  <a:schemeClr val="tx1"/>
+                </a:solidFill>
+              </a:rPr>
+              <a:t>3</a:t>
+            </a:r>
+            <a:r>
+              <a:rPr lang="en-US" sz="2000" b="1" baseline="30000" dirty="0">
+                <a:solidFill>
+                  <a:schemeClr val="tx1"/>
+                </a:solidFill>
+              </a:rPr>
+              <a:t>rd</a:t>
+            </a:r>
+            <a:r>
+              <a:rPr lang="en-US" sz="2000" b="1" dirty="0">
+                <a:solidFill>
+                  <a:schemeClr val="tx1"/>
+                </a:solidFill>
+              </a:rPr>
+              <a:t> Iteration</a:t>
+            </a:r>
+          </a:p>
+        </p:txBody>
+      </p:sp>
+      <p:sp>
+        <p:nvSpPr>
+          <p:cNvPr id="24" name="TextBox 23">
+            <a:extLst>
+              <a:ext uri="{FF2B5EF4-FFF2-40B4-BE49-F238E27FC236}">
+                <a16:creationId xmlns:a16="http://schemas.microsoft.com/office/drawing/2014/main" id="{E039C49D-70A1-BCB3-1C61-A11488358A87}"/>
+              </a:ext>
+            </a:extLst>
+          </p:cNvPr>
+          <p:cNvSpPr txBox="1"/>
+          <p:nvPr/>
+        </p:nvSpPr>
+        <p:spPr>
+          <a:xfrm>
+            <a:off x="4053183" y="5578118"/>
+            <a:ext cx="1962208" cy="400110"/>
+          </a:xfrm>
+          <a:prstGeom prst="rect">
+            <a:avLst/>
+          </a:prstGeom>
+          <a:noFill/>
+        </p:spPr>
+        <p:txBody>
+          <a:bodyPr wrap="square" rtlCol="0">
+            <a:spAutoFit/>
+          </a:bodyPr>
+          <a:lstStyle/>
+          <a:p>
+            <a:r>
+              <a:rPr lang="en-US" sz="2000" b="1" dirty="0">
+                <a:solidFill>
+                  <a:schemeClr val="tx1"/>
+                </a:solidFill>
+              </a:rPr>
+              <a:t>Final Result</a:t>
+            </a:r>
+          </a:p>
+        </p:txBody>
+      </p:sp>
+    </p:spTree>
+    <p:extLst>
+      <p:ext uri="{BB962C8B-B14F-4D97-AF65-F5344CB8AC3E}">
+        <p14:creationId xmlns:p14="http://schemas.microsoft.com/office/powerpoint/2010/main" val="744586983"/>
+      </p:ext>
+    </p:extLst>
+  </p:cSld>
+  <p:clrMapOvr>
+    <a:masterClrMapping/>
+  </p:clrMapOvr>
+</p:sld>
+</file>
+
+<file path=ppt/slides/slide27.xml><?xml version="1.0" encoding="utf-8"?>
+<p:sld xmlns:a="http://schemas.openxmlformats.org/drawingml/2006/main" xmlns:r="http://schemas.openxmlformats.org/officeDocument/2006/relationships" xmlns:p="http://schemas.openxmlformats.org/presentationml/2006/main">
+  <p:cSld>
+    <p:spTree>
+      <p:nvGrpSpPr>
+        <p:cNvPr id="1" name="Shape 75">
+          <a:extLst>
+            <a:ext uri="{FF2B5EF4-FFF2-40B4-BE49-F238E27FC236}">
               <a16:creationId xmlns:a16="http://schemas.microsoft.com/office/drawing/2014/main" id="{08EBC8CB-5DAB-DDDD-C481-2B71E8F5B373}"/>
             </a:ext>
           </a:extLst>
